--- a/Final Presentation.pptx
+++ b/Final Presentation.pptx
@@ -114,6 +114,11 @@
       </a:defRPr>
     </a:lvl9pPr>
   </p:defaultTextStyle>
+  <p:extLst>
+    <p:ext uri="{EFAFB233-063F-42B5-8137-9DF3F51BA10A}">
+      <p15:sldGuideLst xmlns:p15="http://schemas.microsoft.com/office/powerpoint/2012/main"/>
+    </p:ext>
+  </p:extLst>
 </p:presentation>
 </file>
 
@@ -199,7 +204,7 @@
           <a:p>
             <a:fld id="{9E6A0B84-D6A4-4E1D-8E63-BDDC66F8764F}" type="datetimeFigureOut">
               <a:rPr lang="en-US" smtClean="0"/>
-              <a:t>7/28/2024</a:t>
+              <a:t>7/31/2024</a:t>
             </a:fld>
             <a:endParaRPr lang="en-US"/>
           </a:p>
@@ -717,7 +722,7 @@
           <a:p>
             <a:fld id="{2DC698B5-137A-4752-ACBE-32678A1255C1}" type="datetimeFigureOut">
               <a:rPr lang="en-US" smtClean="0"/>
-              <a:t>7/28/2024</a:t>
+              <a:t>7/31/2024</a:t>
             </a:fld>
             <a:endParaRPr lang="en-US"/>
           </a:p>
@@ -915,7 +920,7 @@
           <a:p>
             <a:fld id="{2DC698B5-137A-4752-ACBE-32678A1255C1}" type="datetimeFigureOut">
               <a:rPr lang="en-US" smtClean="0"/>
-              <a:t>7/28/2024</a:t>
+              <a:t>7/31/2024</a:t>
             </a:fld>
             <a:endParaRPr lang="en-US"/>
           </a:p>
@@ -1123,7 +1128,7 @@
           <a:p>
             <a:fld id="{2DC698B5-137A-4752-ACBE-32678A1255C1}" type="datetimeFigureOut">
               <a:rPr lang="en-US" smtClean="0"/>
-              <a:t>7/28/2024</a:t>
+              <a:t>7/31/2024</a:t>
             </a:fld>
             <a:endParaRPr lang="en-US"/>
           </a:p>
@@ -1815,7 +1820,7 @@
           <a:p>
             <a:fld id="{2DC698B5-137A-4752-ACBE-32678A1255C1}" type="datetimeFigureOut">
               <a:rPr lang="en-US" smtClean="0"/>
-              <a:t>7/28/2024</a:t>
+              <a:t>7/31/2024</a:t>
             </a:fld>
             <a:endParaRPr lang="en-US"/>
           </a:p>
@@ -2090,7 +2095,7 @@
           <a:p>
             <a:fld id="{2DC698B5-137A-4752-ACBE-32678A1255C1}" type="datetimeFigureOut">
               <a:rPr lang="en-US" smtClean="0"/>
-              <a:t>7/28/2024</a:t>
+              <a:t>7/31/2024</a:t>
             </a:fld>
             <a:endParaRPr lang="en-US"/>
           </a:p>
@@ -2355,7 +2360,7 @@
           <a:p>
             <a:fld id="{2DC698B5-137A-4752-ACBE-32678A1255C1}" type="datetimeFigureOut">
               <a:rPr lang="en-US" smtClean="0"/>
-              <a:t>7/28/2024</a:t>
+              <a:t>7/31/2024</a:t>
             </a:fld>
             <a:endParaRPr lang="en-US"/>
           </a:p>
@@ -2767,7 +2772,7 @@
           <a:p>
             <a:fld id="{2DC698B5-137A-4752-ACBE-32678A1255C1}" type="datetimeFigureOut">
               <a:rPr lang="en-US" smtClean="0"/>
-              <a:t>7/28/2024</a:t>
+              <a:t>7/31/2024</a:t>
             </a:fld>
             <a:endParaRPr lang="en-US"/>
           </a:p>
@@ -2908,7 +2913,7 @@
           <a:p>
             <a:fld id="{2DC698B5-137A-4752-ACBE-32678A1255C1}" type="datetimeFigureOut">
               <a:rPr lang="en-US" smtClean="0"/>
-              <a:t>7/28/2024</a:t>
+              <a:t>7/31/2024</a:t>
             </a:fld>
             <a:endParaRPr lang="en-US"/>
           </a:p>
@@ -3021,7 +3026,7 @@
           <a:p>
             <a:fld id="{2DC698B5-137A-4752-ACBE-32678A1255C1}" type="datetimeFigureOut">
               <a:rPr lang="en-US" smtClean="0"/>
-              <a:t>7/28/2024</a:t>
+              <a:t>7/31/2024</a:t>
             </a:fld>
             <a:endParaRPr lang="en-US"/>
           </a:p>
@@ -3332,7 +3337,7 @@
           <a:p>
             <a:fld id="{2DC698B5-137A-4752-ACBE-32678A1255C1}" type="datetimeFigureOut">
               <a:rPr lang="en-US" smtClean="0"/>
-              <a:t>7/28/2024</a:t>
+              <a:t>7/31/2024</a:t>
             </a:fld>
             <a:endParaRPr lang="en-US"/>
           </a:p>
@@ -3620,7 +3625,7 @@
           <a:p>
             <a:fld id="{2DC698B5-137A-4752-ACBE-32678A1255C1}" type="datetimeFigureOut">
               <a:rPr lang="en-US" smtClean="0"/>
-              <a:t>7/28/2024</a:t>
+              <a:t>7/31/2024</a:t>
             </a:fld>
             <a:endParaRPr lang="en-US"/>
           </a:p>
@@ -3861,7 +3866,7 @@
           <a:p>
             <a:fld id="{2DC698B5-137A-4752-ACBE-32678A1255C1}" type="datetimeFigureOut">
               <a:rPr lang="en-US" smtClean="0"/>
-              <a:t>7/28/2024</a:t>
+              <a:t>7/31/2024</a:t>
             </a:fld>
             <a:endParaRPr lang="en-US"/>
           </a:p>
@@ -4461,7 +4466,7 @@
                 </a:highlight>
                 <a:latin typeface="Arial" panose="020B0604020202020204" pitchFamily="34" charset="0"/>
               </a:rPr>
-              <a:t>(A ∨ ¬B ∨ C) ∧ (¬A ∨ B) ∧ (B ∨ ¬C)</a:t>
+              <a:t>(A ∨ ¬B ∨ C) ∧ (¬A ∨ B) ∧ (B ∨ ¬C) ∧ (B ∨ -D)</a:t>
             </a:r>
             <a:endParaRPr lang="en-US" sz="2000" dirty="0"/>
           </a:p>
@@ -4616,7 +4621,7 @@
           <a:p>
             <a:r>
               <a:rPr lang="en-US" dirty="0"/>
-              <a:t>No prior experience in Boolean satisfiability</a:t>
+              <a:t>No prior experience in Boolean satisfiability/SAT solving</a:t>
             </a:r>
           </a:p>
           <a:p>
@@ -4828,7 +4833,7 @@
         </p:nvSpPr>
         <p:spPr>
           <a:xfrm>
-            <a:off x="970200" y="1921600"/>
+            <a:off x="970200" y="2462374"/>
             <a:ext cx="10251600" cy="3014800"/>
           </a:xfrm>
         </p:spPr>
@@ -4839,6 +4844,13 @@
             <a:r>
               <a:rPr lang="en-US" dirty="0"/>
               <a:t>Two solvers have been built, first a DPLL solver, then a CDCL solver</a:t>
+            </a:r>
+          </a:p>
+          <a:p>
+            <a:pPr lvl="1"/>
+            <a:r>
+              <a:rPr lang="en-US" dirty="0"/>
+              <a:t>CDCL was built after noticing limitations of DPLL</a:t>
             </a:r>
           </a:p>
           <a:p>
@@ -5446,14 +5458,26 @@
           <a:p>
             <a:r>
               <a:rPr lang="en-US" dirty="0"/>
-              <a:t>Overall all aims where met and the project was successful</a:t>
+              <a:t>Overall, all aims where met and the project was successful</a:t>
             </a:r>
           </a:p>
           <a:p>
             <a:r>
               <a:rPr lang="en-US" dirty="0"/>
-              <a:t>Both </a:t>
-            </a:r>
+              <a:t>Both solvers (DPLL and CDCL) work and meet all requirements and specifications </a:t>
+            </a:r>
+          </a:p>
+          <a:p>
+            <a:r>
+              <a:rPr lang="en-US" dirty="0"/>
+              <a:t>Although challenging, incredible learning experience</a:t>
+            </a:r>
+          </a:p>
+          <a:p>
+            <a:pPr marL="194729" indent="0">
+              <a:buNone/>
+            </a:pPr>
+            <a:endParaRPr lang="en-US" dirty="0"/>
           </a:p>
           <a:p>
             <a:endParaRPr lang="en-US" dirty="0"/>
